--- a/BOB_Sample_PPt_Template_(1) (1).pptx
+++ b/BOB_Sample_PPt_Template_(1) (1).pptx
@@ -40,23 +40,28 @@
       <p:regular r:id="rId17"/>
     </p:embeddedFont>
     <p:embeddedFont>
+      <p:font typeface="Franklin Gothic Heavy" panose="020B0903020102020204" pitchFamily="34" charset="0"/>
+      <p:regular r:id="rId18"/>
+      <p:italic r:id="rId19"/>
+    </p:embeddedFont>
+    <p:embeddedFont>
       <p:font typeface="Lato" panose="020F0502020204030203" pitchFamily="34" charset="0"/>
-      <p:regular r:id="rId18"/>
-      <p:bold r:id="rId19"/>
-      <p:italic r:id="rId20"/>
-      <p:boldItalic r:id="rId21"/>
+      <p:regular r:id="rId20"/>
+      <p:bold r:id="rId21"/>
+      <p:italic r:id="rId22"/>
+      <p:boldItalic r:id="rId23"/>
     </p:embeddedFont>
     <p:embeddedFont>
       <p:font typeface="Lato Black" panose="020F0502020204030203" pitchFamily="34" charset="0"/>
-      <p:bold r:id="rId22"/>
-      <p:boldItalic r:id="rId23"/>
+      <p:bold r:id="rId24"/>
+      <p:boldItalic r:id="rId25"/>
     </p:embeddedFont>
     <p:embeddedFont>
       <p:font typeface="Trebuchet MS" panose="020B0603020202020204" pitchFamily="34" charset="0"/>
-      <p:regular r:id="rId24"/>
-      <p:bold r:id="rId25"/>
-      <p:italic r:id="rId26"/>
-      <p:boldItalic r:id="rId27"/>
+      <p:regular r:id="rId26"/>
+      <p:bold r:id="rId27"/>
+      <p:italic r:id="rId28"/>
+      <p:boldItalic r:id="rId29"/>
     </p:embeddedFont>
   </p:embeddedFontLst>
   <p:defaultTextStyle>
@@ -293,7 +298,7 @@
       <p15:sldGuideLst xmlns:p15="http://schemas.microsoft.com/office/powerpoint/2012/main"/>
     </p:ext>
     <p:ext uri="http://customooxmlschemas.google.com/">
-      <go:slidesCustomData xmlns:go="http://customooxmlschemas.google.com/" xmlns:ahyp="http://schemas.microsoft.com/office/drawing/2018/hyperlinkcolor" xmlns:p15="http://schemas.microsoft.com/office/powerpoint/2012/main" xmlns:p14="http://schemas.microsoft.com/office/powerpoint/2010/main" xmlns:com="http://schemas.openxmlformats.org/drawingml/2006/compatibility" xmlns:pvml="urn:schemas-microsoft-com:office:powerpoint" xmlns:v="urn:schemas-microsoft-com:vml" xmlns:o="urn:schemas-microsoft-com:office:office" xmlns:dgm="http://schemas.openxmlformats.org/drawingml/2006/diagram" xmlns:c="http://schemas.openxmlformats.org/drawingml/2006/chart" xmlns:mv="urn:schemas-microsoft-com:mac:vml" xmlns:mc="http://schemas.openxmlformats.org/markup-compatibility/2006" xmlns="" r:id="rId28" roundtripDataSignature="AMtx7mg4ID0MW+58A5oAZz0iuzSAYbU9/A=="/>
+      <go:slidesCustomData xmlns="" xmlns:mc="http://schemas.openxmlformats.org/markup-compatibility/2006" xmlns:mv="urn:schemas-microsoft-com:mac:vml" xmlns:c="http://schemas.openxmlformats.org/drawingml/2006/chart" xmlns:dgm="http://schemas.openxmlformats.org/drawingml/2006/diagram" xmlns:o="urn:schemas-microsoft-com:office:office" xmlns:v="urn:schemas-microsoft-com:vml" xmlns:pvml="urn:schemas-microsoft-com:office:powerpoint" xmlns:com="http://schemas.openxmlformats.org/drawingml/2006/compatibility" xmlns:p14="http://schemas.microsoft.com/office/powerpoint/2010/main" xmlns:p15="http://schemas.microsoft.com/office/powerpoint/2012/main" xmlns:ahyp="http://schemas.microsoft.com/office/drawing/2018/hyperlinkcolor" xmlns:go="http://customooxmlschemas.google.com/" r:id="rId30" roundtripDataSignature="AMtx7mg4ID0MW+58A5oAZz0iuzSAYbU9/A=="/>
     </p:ext>
   </p:extLst>
 </p:presentation>
@@ -2374,13 +2379,13 @@
   <p:clrMapOvr>
     <a:masterClrMapping/>
   </p:clrMapOvr>
-  <mc:AlternateContent xmlns:mc="http://schemas.openxmlformats.org/markup-compatibility/2006">
-    <mc:Choice xmlns:p14="http://schemas.microsoft.com/office/powerpoint/2010/main" Requires="p14">
+  <mc:AlternateContent xmlns:mc="http://schemas.openxmlformats.org/markup-compatibility/2006" xmlns:p14="http://schemas.microsoft.com/office/powerpoint/2010/main">
+    <mc:Choice Requires="p14">
       <p:transition spd="slow" p14:dur="1200">
         <p:dissolve/>
       </p:transition>
     </mc:Choice>
-    <mc:Fallback>
+    <mc:Fallback xmlns="">
       <p:transition spd="slow">
         <p:dissolve/>
       </p:transition>
@@ -3111,13 +3116,13 @@
   <p:clrMapOvr>
     <a:masterClrMapping/>
   </p:clrMapOvr>
-  <mc:AlternateContent xmlns:mc="http://schemas.openxmlformats.org/markup-compatibility/2006">
-    <mc:Choice xmlns:p14="http://schemas.microsoft.com/office/powerpoint/2010/main" Requires="p14">
+  <mc:AlternateContent xmlns:mc="http://schemas.openxmlformats.org/markup-compatibility/2006" xmlns:p14="http://schemas.microsoft.com/office/powerpoint/2010/main">
+    <mc:Choice Requires="p14">
       <p:transition spd="slow" p14:dur="1200">
         <p:dissolve/>
       </p:transition>
     </mc:Choice>
-    <mc:Fallback>
+    <mc:Fallback xmlns="">
       <p:transition spd="slow">
         <p:dissolve/>
       </p:transition>
@@ -3479,13 +3484,13 @@
   <p:clrMapOvr>
     <a:masterClrMapping/>
   </p:clrMapOvr>
-  <mc:AlternateContent xmlns:mc="http://schemas.openxmlformats.org/markup-compatibility/2006">
-    <mc:Choice xmlns:p14="http://schemas.microsoft.com/office/powerpoint/2010/main" Requires="p14">
+  <mc:AlternateContent xmlns:mc="http://schemas.openxmlformats.org/markup-compatibility/2006" xmlns:p14="http://schemas.microsoft.com/office/powerpoint/2010/main">
+    <mc:Choice Requires="p14">
       <p:transition spd="slow" p14:dur="1200">
         <p:dissolve/>
       </p:transition>
     </mc:Choice>
-    <mc:Fallback>
+    <mc:Fallback xmlns="">
       <p:transition spd="slow">
         <p:dissolve/>
       </p:transition>
@@ -4052,13 +4057,13 @@
   <p:clrMapOvr>
     <a:masterClrMapping/>
   </p:clrMapOvr>
-  <mc:AlternateContent xmlns:mc="http://schemas.openxmlformats.org/markup-compatibility/2006">
-    <mc:Choice xmlns:p14="http://schemas.microsoft.com/office/powerpoint/2010/main" Requires="p14">
+  <mc:AlternateContent xmlns:mc="http://schemas.openxmlformats.org/markup-compatibility/2006" xmlns:p14="http://schemas.microsoft.com/office/powerpoint/2010/main">
+    <mc:Choice Requires="p14">
       <p:transition spd="slow" p14:dur="1200">
         <p:dissolve/>
       </p:transition>
     </mc:Choice>
-    <mc:Fallback>
+    <mc:Fallback xmlns="">
       <p:transition spd="slow">
         <p:dissolve/>
       </p:transition>
@@ -4625,13 +4630,13 @@
   <p:clrMapOvr>
     <a:masterClrMapping/>
   </p:clrMapOvr>
-  <mc:AlternateContent xmlns:mc="http://schemas.openxmlformats.org/markup-compatibility/2006">
-    <mc:Choice xmlns:p14="http://schemas.microsoft.com/office/powerpoint/2010/main" Requires="p14">
+  <mc:AlternateContent xmlns:mc="http://schemas.openxmlformats.org/markup-compatibility/2006" xmlns:p14="http://schemas.microsoft.com/office/powerpoint/2010/main">
+    <mc:Choice Requires="p14">
       <p:transition spd="slow" p14:dur="1200">
         <p:dissolve/>
       </p:transition>
     </mc:Choice>
-    <mc:Fallback>
+    <mc:Fallback xmlns="">
       <p:transition spd="slow">
         <p:dissolve/>
       </p:transition>
@@ -4916,13 +4921,13 @@
   <p:clrMapOvr>
     <a:masterClrMapping/>
   </p:clrMapOvr>
-  <mc:AlternateContent xmlns:mc="http://schemas.openxmlformats.org/markup-compatibility/2006">
-    <mc:Choice xmlns:p14="http://schemas.microsoft.com/office/powerpoint/2010/main" Requires="p14">
+  <mc:AlternateContent xmlns:mc="http://schemas.openxmlformats.org/markup-compatibility/2006" xmlns:p14="http://schemas.microsoft.com/office/powerpoint/2010/main">
+    <mc:Choice Requires="p14">
       <p:transition spd="slow" p14:dur="1200">
         <p:dissolve/>
       </p:transition>
     </mc:Choice>
-    <mc:Fallback>
+    <mc:Fallback xmlns="">
       <p:transition spd="slow">
         <p:dissolve/>
       </p:transition>
@@ -5549,13 +5554,13 @@
   <p:clrMapOvr>
     <a:masterClrMapping/>
   </p:clrMapOvr>
-  <mc:AlternateContent xmlns:mc="http://schemas.openxmlformats.org/markup-compatibility/2006">
-    <mc:Choice xmlns:p14="http://schemas.microsoft.com/office/powerpoint/2010/main" Requires="p14">
+  <mc:AlternateContent xmlns:mc="http://schemas.openxmlformats.org/markup-compatibility/2006" xmlns:p14="http://schemas.microsoft.com/office/powerpoint/2010/main">
+    <mc:Choice Requires="p14">
       <p:transition spd="slow" p14:dur="1200">
         <p:dissolve/>
       </p:transition>
     </mc:Choice>
-    <mc:Fallback>
+    <mc:Fallback xmlns="">
       <p:transition spd="slow">
         <p:dissolve/>
       </p:transition>
@@ -6230,13 +6235,13 @@
   <p:clrMapOvr>
     <a:masterClrMapping/>
   </p:clrMapOvr>
-  <mc:AlternateContent xmlns:mc="http://schemas.openxmlformats.org/markup-compatibility/2006">
-    <mc:Choice xmlns:p14="http://schemas.microsoft.com/office/powerpoint/2010/main" Requires="p14">
+  <mc:AlternateContent xmlns:mc="http://schemas.openxmlformats.org/markup-compatibility/2006" xmlns:p14="http://schemas.microsoft.com/office/powerpoint/2010/main">
+    <mc:Choice Requires="p14">
       <p:transition spd="slow" p14:dur="1200">
         <p:dissolve/>
       </p:transition>
     </mc:Choice>
-    <mc:Fallback>
+    <mc:Fallback xmlns="">
       <p:transition spd="slow">
         <p:dissolve/>
       </p:transition>
@@ -6916,13 +6921,13 @@
   <p:clrMapOvr>
     <a:masterClrMapping/>
   </p:clrMapOvr>
-  <mc:AlternateContent xmlns:mc="http://schemas.openxmlformats.org/markup-compatibility/2006">
-    <mc:Choice xmlns:p14="http://schemas.microsoft.com/office/powerpoint/2010/main" Requires="p14">
+  <mc:AlternateContent xmlns:mc="http://schemas.openxmlformats.org/markup-compatibility/2006" xmlns:p14="http://schemas.microsoft.com/office/powerpoint/2010/main">
+    <mc:Choice Requires="p14">
       <p:transition spd="slow" p14:dur="1200">
         <p:dissolve/>
       </p:transition>
     </mc:Choice>
-    <mc:Fallback>
+    <mc:Fallback xmlns="">
       <p:transition spd="slow">
         <p:dissolve/>
       </p:transition>
@@ -7619,13 +7624,13 @@
   <p:clrMapOvr>
     <a:masterClrMapping/>
   </p:clrMapOvr>
-  <mc:AlternateContent xmlns:mc="http://schemas.openxmlformats.org/markup-compatibility/2006">
-    <mc:Choice xmlns:p14="http://schemas.microsoft.com/office/powerpoint/2010/main" Requires="p14">
+  <mc:AlternateContent xmlns:mc="http://schemas.openxmlformats.org/markup-compatibility/2006" xmlns:p14="http://schemas.microsoft.com/office/powerpoint/2010/main">
+    <mc:Choice Requires="p14">
       <p:transition spd="slow" p14:dur="1200">
         <p:dissolve/>
       </p:transition>
     </mc:Choice>
-    <mc:Fallback>
+    <mc:Fallback xmlns="">
       <p:transition spd="slow">
         <p:dissolve/>
       </p:transition>
@@ -8327,13 +8332,13 @@
   <p:clrMapOvr>
     <a:masterClrMapping/>
   </p:clrMapOvr>
-  <mc:AlternateContent xmlns:mc="http://schemas.openxmlformats.org/markup-compatibility/2006">
-    <mc:Choice xmlns:p14="http://schemas.microsoft.com/office/powerpoint/2010/main" Requires="p14">
+  <mc:AlternateContent xmlns:mc="http://schemas.openxmlformats.org/markup-compatibility/2006" xmlns:p14="http://schemas.microsoft.com/office/powerpoint/2010/main">
+    <mc:Choice Requires="p14">
       <p:transition spd="slow" p14:dur="1200">
         <p:dissolve/>
       </p:transition>
     </mc:Choice>
-    <mc:Fallback>
+    <mc:Fallback xmlns="">
       <p:transition spd="slow">
         <p:dissolve/>
       </p:transition>
@@ -8561,13 +8566,13 @@
   <p:clrMapOvr>
     <a:masterClrMapping/>
   </p:clrMapOvr>
-  <mc:AlternateContent xmlns:mc="http://schemas.openxmlformats.org/markup-compatibility/2006">
-    <mc:Choice xmlns:p14="http://schemas.microsoft.com/office/powerpoint/2010/main" Requires="p14">
+  <mc:AlternateContent xmlns:mc="http://schemas.openxmlformats.org/markup-compatibility/2006" xmlns:p14="http://schemas.microsoft.com/office/powerpoint/2010/main">
+    <mc:Choice Requires="p14">
       <p:transition spd="slow" p14:dur="1200">
         <p:dissolve/>
       </p:transition>
     </mc:Choice>
-    <mc:Fallback>
+    <mc:Fallback xmlns="">
       <p:transition spd="slow">
         <p:dissolve/>
       </p:transition>
@@ -9253,13 +9258,13 @@
   <p:clrMapOvr>
     <a:masterClrMapping/>
   </p:clrMapOvr>
-  <mc:AlternateContent xmlns:mc="http://schemas.openxmlformats.org/markup-compatibility/2006">
-    <mc:Choice xmlns:p14="http://schemas.microsoft.com/office/powerpoint/2010/main" Requires="p14">
+  <mc:AlternateContent xmlns:mc="http://schemas.openxmlformats.org/markup-compatibility/2006" xmlns:p14="http://schemas.microsoft.com/office/powerpoint/2010/main">
+    <mc:Choice Requires="p14">
       <p:transition spd="slow" p14:dur="1200">
         <p:dissolve/>
       </p:transition>
     </mc:Choice>
-    <mc:Fallback>
+    <mc:Fallback xmlns="">
       <p:transition spd="slow">
         <p:dissolve/>
       </p:transition>
@@ -9988,13 +9993,13 @@
   <p:clrMapOvr>
     <a:masterClrMapping/>
   </p:clrMapOvr>
-  <mc:AlternateContent xmlns:mc="http://schemas.openxmlformats.org/markup-compatibility/2006">
-    <mc:Choice xmlns:p14="http://schemas.microsoft.com/office/powerpoint/2010/main" Requires="p14">
+  <mc:AlternateContent xmlns:mc="http://schemas.openxmlformats.org/markup-compatibility/2006" xmlns:p14="http://schemas.microsoft.com/office/powerpoint/2010/main">
+    <mc:Choice Requires="p14">
       <p:transition spd="slow" p14:dur="1200">
         <p:dissolve/>
       </p:transition>
     </mc:Choice>
-    <mc:Fallback>
+    <mc:Fallback xmlns="">
       <p:transition spd="slow">
         <p:dissolve/>
       </p:transition>
@@ -10251,13 +10256,13 @@
   <p:clrMapOvr>
     <a:masterClrMapping/>
   </p:clrMapOvr>
-  <mc:AlternateContent xmlns:mc="http://schemas.openxmlformats.org/markup-compatibility/2006">
-    <mc:Choice xmlns:p14="http://schemas.microsoft.com/office/powerpoint/2010/main" Requires="p14">
+  <mc:AlternateContent xmlns:mc="http://schemas.openxmlformats.org/markup-compatibility/2006" xmlns:p14="http://schemas.microsoft.com/office/powerpoint/2010/main">
+    <mc:Choice Requires="p14">
       <p:transition spd="slow" p14:dur="1200">
         <p:dissolve/>
       </p:transition>
     </mc:Choice>
-    <mc:Fallback>
+    <mc:Fallback xmlns="">
       <p:transition spd="slow">
         <p:dissolve/>
       </p:transition>
@@ -10374,13 +10379,13 @@
   <p:clrMapOvr>
     <a:masterClrMapping/>
   </p:clrMapOvr>
-  <mc:AlternateContent xmlns:mc="http://schemas.openxmlformats.org/markup-compatibility/2006">
-    <mc:Choice xmlns:p14="http://schemas.microsoft.com/office/powerpoint/2010/main" Requires="p14">
+  <mc:AlternateContent xmlns:mc="http://schemas.openxmlformats.org/markup-compatibility/2006" xmlns:p14="http://schemas.microsoft.com/office/powerpoint/2010/main">
+    <mc:Choice Requires="p14">
       <p:transition spd="slow" p14:dur="1200">
         <p:dissolve/>
       </p:transition>
     </mc:Choice>
-    <mc:Fallback>
+    <mc:Fallback xmlns="">
       <p:transition spd="slow">
         <p:dissolve/>
       </p:transition>
@@ -10489,13 +10494,13 @@
   <p:clrMapOvr>
     <a:masterClrMapping/>
   </p:clrMapOvr>
-  <mc:AlternateContent xmlns:mc="http://schemas.openxmlformats.org/markup-compatibility/2006">
-    <mc:Choice xmlns:p14="http://schemas.microsoft.com/office/powerpoint/2010/main" Requires="p14">
+  <mc:AlternateContent xmlns:mc="http://schemas.openxmlformats.org/markup-compatibility/2006" xmlns:p14="http://schemas.microsoft.com/office/powerpoint/2010/main">
+    <mc:Choice Requires="p14">
       <p:transition spd="slow" p14:dur="1200">
         <p:dissolve/>
       </p:transition>
     </mc:Choice>
-    <mc:Fallback>
+    <mc:Fallback xmlns="">
       <p:transition spd="slow">
         <p:dissolve/>
       </p:transition>
@@ -10894,13 +10899,13 @@
   <p:clrMapOvr>
     <a:masterClrMapping/>
   </p:clrMapOvr>
-  <mc:AlternateContent xmlns:mc="http://schemas.openxmlformats.org/markup-compatibility/2006">
-    <mc:Choice xmlns:p14="http://schemas.microsoft.com/office/powerpoint/2010/main" Requires="p14">
+  <mc:AlternateContent xmlns:mc="http://schemas.openxmlformats.org/markup-compatibility/2006" xmlns:p14="http://schemas.microsoft.com/office/powerpoint/2010/main">
+    <mc:Choice Requires="p14">
       <p:transition spd="slow" p14:dur="1200">
         <p:dissolve/>
       </p:transition>
     </mc:Choice>
-    <mc:Fallback>
+    <mc:Fallback xmlns="">
       <p:transition spd="slow">
         <p:dissolve/>
       </p:transition>
@@ -11307,13 +11312,13 @@
   <p:clrMapOvr>
     <a:masterClrMapping/>
   </p:clrMapOvr>
-  <mc:AlternateContent xmlns:mc="http://schemas.openxmlformats.org/markup-compatibility/2006">
-    <mc:Choice xmlns:p14="http://schemas.microsoft.com/office/powerpoint/2010/main" Requires="p14">
+  <mc:AlternateContent xmlns:mc="http://schemas.openxmlformats.org/markup-compatibility/2006" xmlns:p14="http://schemas.microsoft.com/office/powerpoint/2010/main">
+    <mc:Choice Requires="p14">
       <p:transition spd="slow" p14:dur="1200">
         <p:dissolve/>
       </p:transition>
     </mc:Choice>
-    <mc:Fallback>
+    <mc:Fallback xmlns="">
       <p:transition spd="slow">
         <p:dissolve/>
       </p:transition>
@@ -11525,13 +11530,13 @@
   <p:clrMapOvr>
     <a:masterClrMapping/>
   </p:clrMapOvr>
-  <mc:AlternateContent xmlns:mc="http://schemas.openxmlformats.org/markup-compatibility/2006">
-    <mc:Choice xmlns:p14="http://schemas.microsoft.com/office/powerpoint/2010/main" Requires="p14">
+  <mc:AlternateContent xmlns:mc="http://schemas.openxmlformats.org/markup-compatibility/2006" xmlns:p14="http://schemas.microsoft.com/office/powerpoint/2010/main">
+    <mc:Choice Requires="p14">
       <p:transition spd="slow" p14:dur="1200">
         <p:dissolve/>
       </p:transition>
     </mc:Choice>
-    <mc:Fallback>
+    <mc:Fallback xmlns="">
       <p:transition spd="slow">
         <p:dissolve/>
       </p:transition>
@@ -11907,13 +11912,13 @@
   <p:clrMapOvr>
     <a:masterClrMapping/>
   </p:clrMapOvr>
-  <mc:AlternateContent xmlns:mc="http://schemas.openxmlformats.org/markup-compatibility/2006">
-    <mc:Choice xmlns:p14="http://schemas.microsoft.com/office/powerpoint/2010/main" Requires="p14">
+  <mc:AlternateContent xmlns:mc="http://schemas.openxmlformats.org/markup-compatibility/2006" xmlns:p14="http://schemas.microsoft.com/office/powerpoint/2010/main">
+    <mc:Choice Requires="p14">
       <p:transition spd="slow" p14:dur="1200">
         <p:dissolve/>
       </p:transition>
     </mc:Choice>
-    <mc:Fallback>
+    <mc:Fallback xmlns="">
       <p:transition spd="slow">
         <p:dissolve/>
       </p:transition>
@@ -11984,13 +11989,13 @@
   <p:clrMapOvr>
     <a:masterClrMapping/>
   </p:clrMapOvr>
-  <mc:AlternateContent xmlns:mc="http://schemas.openxmlformats.org/markup-compatibility/2006">
-    <mc:Choice xmlns:p14="http://schemas.microsoft.com/office/powerpoint/2010/main" Requires="p14">
+  <mc:AlternateContent xmlns:mc="http://schemas.openxmlformats.org/markup-compatibility/2006" xmlns:p14="http://schemas.microsoft.com/office/powerpoint/2010/main">
+    <mc:Choice Requires="p14">
       <p:transition spd="slow" p14:dur="1200">
         <p:dissolve/>
       </p:transition>
     </mc:Choice>
-    <mc:Fallback>
+    <mc:Fallback xmlns="">
       <p:transition spd="slow">
         <p:dissolve/>
       </p:transition>
@@ -12056,13 +12061,13 @@
   <p:clrMapOvr>
     <a:masterClrMapping/>
   </p:clrMapOvr>
-  <mc:AlternateContent xmlns:mc="http://schemas.openxmlformats.org/markup-compatibility/2006">
-    <mc:Choice xmlns:p14="http://schemas.microsoft.com/office/powerpoint/2010/main" Requires="p14">
+  <mc:AlternateContent xmlns:mc="http://schemas.openxmlformats.org/markup-compatibility/2006" xmlns:p14="http://schemas.microsoft.com/office/powerpoint/2010/main">
+    <mc:Choice Requires="p14">
       <p:transition spd="slow" p14:dur="1200">
         <p:dissolve/>
       </p:transition>
     </mc:Choice>
-    <mc:Fallback>
+    <mc:Fallback xmlns="">
       <p:transition spd="slow">
         <p:dissolve/>
       </p:transition>
@@ -12793,13 +12798,13 @@
   <p:clrMapOvr>
     <a:masterClrMapping/>
   </p:clrMapOvr>
-  <mc:AlternateContent xmlns:mc="http://schemas.openxmlformats.org/markup-compatibility/2006">
-    <mc:Choice xmlns:p14="http://schemas.microsoft.com/office/powerpoint/2010/main" Requires="p14">
+  <mc:AlternateContent xmlns:mc="http://schemas.openxmlformats.org/markup-compatibility/2006" xmlns:p14="http://schemas.microsoft.com/office/powerpoint/2010/main">
+    <mc:Choice Requires="p14">
       <p:transition spd="slow" p14:dur="1200">
         <p:dissolve/>
       </p:transition>
     </mc:Choice>
-    <mc:Fallback>
+    <mc:Fallback xmlns="">
       <p:transition spd="slow">
         <p:dissolve/>
       </p:transition>
@@ -13541,13 +13546,13 @@
   <p:clrMapOvr>
     <a:masterClrMapping/>
   </p:clrMapOvr>
-  <mc:AlternateContent xmlns:mc="http://schemas.openxmlformats.org/markup-compatibility/2006">
-    <mc:Choice xmlns:p14="http://schemas.microsoft.com/office/powerpoint/2010/main" Requires="p14">
+  <mc:AlternateContent xmlns:mc="http://schemas.openxmlformats.org/markup-compatibility/2006" xmlns:p14="http://schemas.microsoft.com/office/powerpoint/2010/main">
+    <mc:Choice Requires="p14">
       <p:transition spd="slow" p14:dur="1200">
         <p:dissolve/>
       </p:transition>
     </mc:Choice>
-    <mc:Fallback>
+    <mc:Fallback xmlns="">
       <p:transition spd="slow">
         <p:dissolve/>
       </p:transition>
@@ -14704,13 +14709,13 @@
   <p:clrMapOvr>
     <a:masterClrMapping/>
   </p:clrMapOvr>
-  <mc:AlternateContent xmlns:mc="http://schemas.openxmlformats.org/markup-compatibility/2006">
-    <mc:Choice xmlns:p14="http://schemas.microsoft.com/office/powerpoint/2010/main" Requires="p14">
+  <mc:AlternateContent xmlns:mc="http://schemas.openxmlformats.org/markup-compatibility/2006" xmlns:p14="http://schemas.microsoft.com/office/powerpoint/2010/main">
+    <mc:Choice Requires="p14">
       <p:transition spd="slow" p14:dur="1200">
         <p:dissolve/>
       </p:transition>
     </mc:Choice>
-    <mc:Fallback>
+    <mc:Fallback xmlns="">
       <p:transition spd="slow">
         <p:dissolve/>
       </p:transition>
@@ -16223,13 +16228,13 @@
   <p:clrMapOvr>
     <a:masterClrMapping/>
   </p:clrMapOvr>
-  <mc:AlternateContent xmlns:mc="http://schemas.openxmlformats.org/markup-compatibility/2006">
-    <mc:Choice xmlns:p14="http://schemas.microsoft.com/office/powerpoint/2010/main" Requires="p14">
+  <mc:AlternateContent xmlns:mc="http://schemas.openxmlformats.org/markup-compatibility/2006" xmlns:p14="http://schemas.microsoft.com/office/powerpoint/2010/main">
+    <mc:Choice Requires="p14">
       <p:transition spd="slow" p14:dur="1200">
         <p:dissolve/>
       </p:transition>
     </mc:Choice>
-    <mc:Fallback>
+    <mc:Fallback xmlns="">
       <p:transition spd="slow">
         <p:dissolve/>
       </p:transition>
@@ -18125,13 +18130,13 @@
   <p:clrMapOvr>
     <a:masterClrMapping/>
   </p:clrMapOvr>
-  <mc:AlternateContent xmlns:mc="http://schemas.openxmlformats.org/markup-compatibility/2006">
-    <mc:Choice xmlns:p14="http://schemas.microsoft.com/office/powerpoint/2010/main" Requires="p14">
+  <mc:AlternateContent xmlns:mc="http://schemas.openxmlformats.org/markup-compatibility/2006" xmlns:p14="http://schemas.microsoft.com/office/powerpoint/2010/main">
+    <mc:Choice Requires="p14">
       <p:transition spd="slow" p14:dur="1200">
         <p:dissolve/>
       </p:transition>
     </mc:Choice>
-    <mc:Fallback>
+    <mc:Fallback xmlns="">
       <p:transition spd="slow">
         <p:dissolve/>
       </p:transition>
@@ -18920,13 +18925,13 @@
   <p:clrMapOvr>
     <a:masterClrMapping/>
   </p:clrMapOvr>
-  <mc:AlternateContent xmlns:mc="http://schemas.openxmlformats.org/markup-compatibility/2006">
-    <mc:Choice xmlns:p14="http://schemas.microsoft.com/office/powerpoint/2010/main" Requires="p14">
+  <mc:AlternateContent xmlns:mc="http://schemas.openxmlformats.org/markup-compatibility/2006" xmlns:p14="http://schemas.microsoft.com/office/powerpoint/2010/main">
+    <mc:Choice Requires="p14">
       <p:transition spd="slow" p14:dur="1200">
         <p:dissolve/>
       </p:transition>
     </mc:Choice>
-    <mc:Fallback>
+    <mc:Fallback xmlns="">
       <p:transition spd="slow">
         <p:dissolve/>
       </p:transition>
@@ -19684,13 +19689,13 @@
   <p:clrMapOvr>
     <a:masterClrMapping/>
   </p:clrMapOvr>
-  <mc:AlternateContent xmlns:mc="http://schemas.openxmlformats.org/markup-compatibility/2006">
-    <mc:Choice xmlns:p14="http://schemas.microsoft.com/office/powerpoint/2010/main" Requires="p14">
+  <mc:AlternateContent xmlns:mc="http://schemas.openxmlformats.org/markup-compatibility/2006" xmlns:p14="http://schemas.microsoft.com/office/powerpoint/2010/main">
+    <mc:Choice Requires="p14">
       <p:transition spd="slow" p14:dur="1200">
         <p:dissolve/>
       </p:transition>
     </mc:Choice>
-    <mc:Fallback>
+    <mc:Fallback xmlns="">
       <p:transition spd="slow">
         <p:dissolve/>
       </p:transition>
@@ -20079,13 +20084,13 @@
   <p:clrMapOvr>
     <a:masterClrMapping/>
   </p:clrMapOvr>
-  <mc:AlternateContent xmlns:mc="http://schemas.openxmlformats.org/markup-compatibility/2006">
-    <mc:Choice xmlns:p14="http://schemas.microsoft.com/office/powerpoint/2010/main" Requires="p14">
+  <mc:AlternateContent xmlns:mc="http://schemas.openxmlformats.org/markup-compatibility/2006" xmlns:p14="http://schemas.microsoft.com/office/powerpoint/2010/main">
+    <mc:Choice Requires="p14">
       <p:transition spd="slow" p14:dur="1200">
         <p:dissolve/>
       </p:transition>
     </mc:Choice>
-    <mc:Fallback>
+    <mc:Fallback xmlns="">
       <p:transition spd="slow">
         <p:dissolve/>
       </p:transition>
@@ -20679,13 +20684,13 @@
   <p:clrMapOvr>
     <a:masterClrMapping/>
   </p:clrMapOvr>
-  <mc:AlternateContent xmlns:mc="http://schemas.openxmlformats.org/markup-compatibility/2006">
-    <mc:Choice xmlns:p14="http://schemas.microsoft.com/office/powerpoint/2010/main" Requires="p14">
+  <mc:AlternateContent xmlns:mc="http://schemas.openxmlformats.org/markup-compatibility/2006" xmlns:p14="http://schemas.microsoft.com/office/powerpoint/2010/main">
+    <mc:Choice Requires="p14">
       <p:transition spd="slow" p14:dur="1200">
         <p:dissolve/>
       </p:transition>
     </mc:Choice>
-    <mc:Fallback>
+    <mc:Fallback xmlns="">
       <p:transition spd="slow">
         <p:dissolve/>
       </p:transition>
@@ -21279,13 +21284,13 @@
   <p:clrMapOvr>
     <a:masterClrMapping/>
   </p:clrMapOvr>
-  <mc:AlternateContent xmlns:mc="http://schemas.openxmlformats.org/markup-compatibility/2006">
-    <mc:Choice xmlns:p14="http://schemas.microsoft.com/office/powerpoint/2010/main" Requires="p14">
+  <mc:AlternateContent xmlns:mc="http://schemas.openxmlformats.org/markup-compatibility/2006" xmlns:p14="http://schemas.microsoft.com/office/powerpoint/2010/main">
+    <mc:Choice Requires="p14">
       <p:transition spd="slow" p14:dur="1200">
         <p:dissolve/>
       </p:transition>
     </mc:Choice>
-    <mc:Fallback>
+    <mc:Fallback xmlns="">
       <p:transition spd="slow">
         <p:dissolve/>
       </p:transition>
@@ -22032,13 +22037,13 @@
   <p:clrMapOvr>
     <a:masterClrMapping/>
   </p:clrMapOvr>
-  <mc:AlternateContent xmlns:mc="http://schemas.openxmlformats.org/markup-compatibility/2006">
-    <mc:Choice xmlns:p14="http://schemas.microsoft.com/office/powerpoint/2010/main" Requires="p14">
+  <mc:AlternateContent xmlns:mc="http://schemas.openxmlformats.org/markup-compatibility/2006" xmlns:p14="http://schemas.microsoft.com/office/powerpoint/2010/main">
+    <mc:Choice Requires="p14">
       <p:transition spd="slow" p14:dur="1200">
         <p:dissolve/>
       </p:transition>
     </mc:Choice>
-    <mc:Fallback>
+    <mc:Fallback xmlns="">
       <p:transition spd="slow">
         <p:dissolve/>
       </p:transition>
@@ -22345,13 +22350,13 @@
   <p:clrMapOvr>
     <a:masterClrMapping/>
   </p:clrMapOvr>
-  <mc:AlternateContent xmlns:mc="http://schemas.openxmlformats.org/markup-compatibility/2006">
-    <mc:Choice xmlns:p14="http://schemas.microsoft.com/office/powerpoint/2010/main" Requires="p14">
+  <mc:AlternateContent xmlns:mc="http://schemas.openxmlformats.org/markup-compatibility/2006" xmlns:p14="http://schemas.microsoft.com/office/powerpoint/2010/main">
+    <mc:Choice Requires="p14">
       <p:transition spd="slow" p14:dur="1200">
         <p:dissolve/>
       </p:transition>
     </mc:Choice>
-    <mc:Fallback>
+    <mc:Fallback xmlns="">
       <p:transition spd="slow">
         <p:dissolve/>
       </p:transition>
@@ -22654,13 +22659,13 @@
   <p:clrMapOvr>
     <a:masterClrMapping/>
   </p:clrMapOvr>
-  <mc:AlternateContent xmlns:mc="http://schemas.openxmlformats.org/markup-compatibility/2006">
-    <mc:Choice xmlns:p14="http://schemas.microsoft.com/office/powerpoint/2010/main" Requires="p14">
+  <mc:AlternateContent xmlns:mc="http://schemas.openxmlformats.org/markup-compatibility/2006" xmlns:p14="http://schemas.microsoft.com/office/powerpoint/2010/main">
+    <mc:Choice Requires="p14">
       <p:transition spd="slow" p14:dur="1200">
         <p:dissolve/>
       </p:transition>
     </mc:Choice>
-    <mc:Fallback>
+    <mc:Fallback xmlns="">
       <p:transition spd="slow">
         <p:dissolve/>
       </p:transition>
@@ -22718,13 +22723,13 @@
   <p:clrMapOvr>
     <a:masterClrMapping/>
   </p:clrMapOvr>
-  <mc:AlternateContent xmlns:mc="http://schemas.openxmlformats.org/markup-compatibility/2006">
-    <mc:Choice xmlns:p14="http://schemas.microsoft.com/office/powerpoint/2010/main" Requires="p14">
+  <mc:AlternateContent xmlns:mc="http://schemas.openxmlformats.org/markup-compatibility/2006" xmlns:p14="http://schemas.microsoft.com/office/powerpoint/2010/main">
+    <mc:Choice Requires="p14">
       <p:transition spd="slow" p14:dur="1200">
         <p:dissolve/>
       </p:transition>
     </mc:Choice>
-    <mc:Fallback>
+    <mc:Fallback xmlns="">
       <p:transition spd="slow">
         <p:dissolve/>
       </p:transition>
@@ -23378,13 +23383,13 @@
   <p:clrMapOvr>
     <a:masterClrMapping/>
   </p:clrMapOvr>
-  <mc:AlternateContent xmlns:mc="http://schemas.openxmlformats.org/markup-compatibility/2006">
-    <mc:Choice xmlns:p14="http://schemas.microsoft.com/office/powerpoint/2010/main" Requires="p14">
+  <mc:AlternateContent xmlns:mc="http://schemas.openxmlformats.org/markup-compatibility/2006" xmlns:p14="http://schemas.microsoft.com/office/powerpoint/2010/main">
+    <mc:Choice Requires="p14">
       <p:transition spd="slow" p14:dur="1200">
         <p:dissolve/>
       </p:transition>
     </mc:Choice>
-    <mc:Fallback>
+    <mc:Fallback xmlns="">
       <p:transition spd="slow">
         <p:dissolve/>
       </p:transition>
@@ -24086,13 +24091,13 @@
   <p:clrMapOvr>
     <a:masterClrMapping/>
   </p:clrMapOvr>
-  <mc:AlternateContent xmlns:mc="http://schemas.openxmlformats.org/markup-compatibility/2006">
-    <mc:Choice xmlns:p14="http://schemas.microsoft.com/office/powerpoint/2010/main" Requires="p14">
+  <mc:AlternateContent xmlns:mc="http://schemas.openxmlformats.org/markup-compatibility/2006" xmlns:p14="http://schemas.microsoft.com/office/powerpoint/2010/main">
+    <mc:Choice Requires="p14">
       <p:transition spd="slow" p14:dur="1200">
         <p:dissolve/>
       </p:transition>
     </mc:Choice>
-    <mc:Fallback>
+    <mc:Fallback xmlns="">
       <p:transition spd="slow">
         <p:dissolve/>
       </p:transition>
@@ -24799,13 +24804,13 @@
   <p:clrMapOvr>
     <a:masterClrMapping/>
   </p:clrMapOvr>
-  <mc:AlternateContent xmlns:mc="http://schemas.openxmlformats.org/markup-compatibility/2006">
-    <mc:Choice xmlns:p14="http://schemas.microsoft.com/office/powerpoint/2010/main" Requires="p14">
+  <mc:AlternateContent xmlns:mc="http://schemas.openxmlformats.org/markup-compatibility/2006" xmlns:p14="http://schemas.microsoft.com/office/powerpoint/2010/main">
+    <mc:Choice Requires="p14">
       <p:transition spd="slow" p14:dur="1200">
         <p:dissolve/>
       </p:transition>
     </mc:Choice>
-    <mc:Fallback>
+    <mc:Fallback xmlns="">
       <p:transition spd="slow">
         <p:dissolve/>
       </p:transition>
@@ -25529,13 +25534,13 @@
   <p:clrMapOvr>
     <a:masterClrMapping/>
   </p:clrMapOvr>
-  <mc:AlternateContent xmlns:mc="http://schemas.openxmlformats.org/markup-compatibility/2006">
-    <mc:Choice xmlns:p14="http://schemas.microsoft.com/office/powerpoint/2010/main" Requires="p14">
+  <mc:AlternateContent xmlns:mc="http://schemas.openxmlformats.org/markup-compatibility/2006" xmlns:p14="http://schemas.microsoft.com/office/powerpoint/2010/main">
+    <mc:Choice Requires="p14">
       <p:transition spd="slow" p14:dur="1200">
         <p:dissolve/>
       </p:transition>
     </mc:Choice>
-    <mc:Fallback>
+    <mc:Fallback xmlns="">
       <p:transition spd="slow">
         <p:dissolve/>
       </p:transition>
@@ -25830,13 +25835,13 @@
   <p:clrMapOvr>
     <a:masterClrMapping/>
   </p:clrMapOvr>
-  <mc:AlternateContent xmlns:mc="http://schemas.openxmlformats.org/markup-compatibility/2006">
-    <mc:Choice xmlns:p14="http://schemas.microsoft.com/office/powerpoint/2010/main" Requires="p14">
+  <mc:AlternateContent xmlns:mc="http://schemas.openxmlformats.org/markup-compatibility/2006" xmlns:p14="http://schemas.microsoft.com/office/powerpoint/2010/main">
+    <mc:Choice Requires="p14">
       <p:transition spd="slow" p14:dur="1200">
         <p:dissolve/>
       </p:transition>
     </mc:Choice>
-    <mc:Fallback>
+    <mc:Fallback xmlns="">
       <p:transition spd="slow">
         <p:dissolve/>
       </p:transition>
@@ -26065,13 +26070,13 @@
   <p:clrMapOvr>
     <a:masterClrMapping/>
   </p:clrMapOvr>
-  <mc:AlternateContent xmlns:mc="http://schemas.openxmlformats.org/markup-compatibility/2006">
-    <mc:Choice xmlns:p14="http://schemas.microsoft.com/office/powerpoint/2010/main" Requires="p14">
+  <mc:AlternateContent xmlns:mc="http://schemas.openxmlformats.org/markup-compatibility/2006" xmlns:p14="http://schemas.microsoft.com/office/powerpoint/2010/main">
+    <mc:Choice Requires="p14">
       <p:transition spd="slow" p14:dur="1200">
         <p:dissolve/>
       </p:transition>
     </mc:Choice>
-    <mc:Fallback>
+    <mc:Fallback xmlns="">
       <p:transition spd="slow">
         <p:dissolve/>
       </p:transition>
@@ -26207,13 +26212,13 @@
   <p:clrMapOvr>
     <a:masterClrMapping/>
   </p:clrMapOvr>
-  <mc:AlternateContent xmlns:mc="http://schemas.openxmlformats.org/markup-compatibility/2006">
-    <mc:Choice xmlns:p14="http://schemas.microsoft.com/office/powerpoint/2010/main" Requires="p14">
+  <mc:AlternateContent xmlns:mc="http://schemas.openxmlformats.org/markup-compatibility/2006" xmlns:p14="http://schemas.microsoft.com/office/powerpoint/2010/main">
+    <mc:Choice Requires="p14">
       <p:transition spd="slow" p14:dur="1200">
         <p:dissolve/>
       </p:transition>
     </mc:Choice>
-    <mc:Fallback>
+    <mc:Fallback xmlns="">
       <p:transition spd="slow">
         <p:dissolve/>
       </p:transition>
@@ -26944,13 +26949,13 @@
   <p:clrMapOvr>
     <a:masterClrMapping/>
   </p:clrMapOvr>
-  <mc:AlternateContent xmlns:mc="http://schemas.openxmlformats.org/markup-compatibility/2006">
-    <mc:Choice xmlns:p14="http://schemas.microsoft.com/office/powerpoint/2010/main" Requires="p14">
+  <mc:AlternateContent xmlns:mc="http://schemas.openxmlformats.org/markup-compatibility/2006" xmlns:p14="http://schemas.microsoft.com/office/powerpoint/2010/main">
+    <mc:Choice Requires="p14">
       <p:transition spd="slow" p14:dur="1200">
         <p:dissolve/>
       </p:transition>
     </mc:Choice>
-    <mc:Fallback>
+    <mc:Fallback xmlns="">
       <p:transition spd="slow">
         <p:dissolve/>
       </p:transition>
@@ -27097,13 +27102,13 @@
   <p:clrMapOvr>
     <a:masterClrMapping/>
   </p:clrMapOvr>
-  <mc:AlternateContent xmlns:mc="http://schemas.openxmlformats.org/markup-compatibility/2006">
-    <mc:Choice xmlns:p14="http://schemas.microsoft.com/office/powerpoint/2010/main" Requires="p14">
+  <mc:AlternateContent xmlns:mc="http://schemas.openxmlformats.org/markup-compatibility/2006" xmlns:p14="http://schemas.microsoft.com/office/powerpoint/2010/main">
+    <mc:Choice Requires="p14">
       <p:transition spd="slow" p14:dur="1200">
         <p:dissolve/>
       </p:transition>
     </mc:Choice>
-    <mc:Fallback>
+    <mc:Fallback xmlns="">
       <p:transition spd="slow">
         <p:dissolve/>
       </p:transition>
@@ -27239,13 +27244,13 @@
   <p:clrMapOvr>
     <a:masterClrMapping/>
   </p:clrMapOvr>
-  <mc:AlternateContent xmlns:mc="http://schemas.openxmlformats.org/markup-compatibility/2006">
-    <mc:Choice xmlns:p14="http://schemas.microsoft.com/office/powerpoint/2010/main" Requires="p14">
+  <mc:AlternateContent xmlns:mc="http://schemas.openxmlformats.org/markup-compatibility/2006" xmlns:p14="http://schemas.microsoft.com/office/powerpoint/2010/main">
+    <mc:Choice Requires="p14">
       <p:transition spd="slow" p14:dur="1200">
         <p:dissolve/>
       </p:transition>
     </mc:Choice>
-    <mc:Fallback>
+    <mc:Fallback xmlns="">
       <p:transition spd="slow">
         <p:dissolve/>
       </p:transition>
@@ -27381,13 +27386,13 @@
   <p:clrMapOvr>
     <a:masterClrMapping/>
   </p:clrMapOvr>
-  <mc:AlternateContent xmlns:mc="http://schemas.openxmlformats.org/markup-compatibility/2006">
-    <mc:Choice xmlns:p14="http://schemas.microsoft.com/office/powerpoint/2010/main" Requires="p14">
+  <mc:AlternateContent xmlns:mc="http://schemas.openxmlformats.org/markup-compatibility/2006" xmlns:p14="http://schemas.microsoft.com/office/powerpoint/2010/main">
+    <mc:Choice Requires="p14">
       <p:transition spd="slow" p14:dur="1200">
         <p:dissolve/>
       </p:transition>
     </mc:Choice>
-    <mc:Fallback>
+    <mc:Fallback xmlns="">
       <p:transition spd="slow">
         <p:dissolve/>
       </p:transition>
@@ -27523,13 +27528,13 @@
   <p:clrMapOvr>
     <a:masterClrMapping/>
   </p:clrMapOvr>
-  <mc:AlternateContent xmlns:mc="http://schemas.openxmlformats.org/markup-compatibility/2006">
-    <mc:Choice xmlns:p14="http://schemas.microsoft.com/office/powerpoint/2010/main" Requires="p14">
+  <mc:AlternateContent xmlns:mc="http://schemas.openxmlformats.org/markup-compatibility/2006" xmlns:p14="http://schemas.microsoft.com/office/powerpoint/2010/main">
+    <mc:Choice Requires="p14">
       <p:transition spd="slow" p14:dur="1200">
         <p:dissolve/>
       </p:transition>
     </mc:Choice>
-    <mc:Fallback>
+    <mc:Fallback xmlns="">
       <p:transition spd="slow">
         <p:dissolve/>
       </p:transition>
@@ -28648,13 +28653,13 @@
   <p:clrMapOvr>
     <a:masterClrMapping/>
   </p:clrMapOvr>
-  <mc:AlternateContent xmlns:mc="http://schemas.openxmlformats.org/markup-compatibility/2006">
-    <mc:Choice xmlns:p14="http://schemas.microsoft.com/office/powerpoint/2010/main" Requires="p14">
+  <mc:AlternateContent xmlns:mc="http://schemas.openxmlformats.org/markup-compatibility/2006" xmlns:p14="http://schemas.microsoft.com/office/powerpoint/2010/main">
+    <mc:Choice Requires="p14">
       <p:transition spd="slow" p14:dur="1200">
         <p:dissolve/>
       </p:transition>
     </mc:Choice>
-    <mc:Fallback>
+    <mc:Fallback xmlns="">
       <p:transition spd="slow">
         <p:dissolve/>
       </p:transition>
@@ -30140,13 +30145,13 @@
   <p:clrMapOvr>
     <a:masterClrMapping/>
   </p:clrMapOvr>
-  <mc:AlternateContent xmlns:mc="http://schemas.openxmlformats.org/markup-compatibility/2006">
-    <mc:Choice xmlns:p14="http://schemas.microsoft.com/office/powerpoint/2010/main" Requires="p14">
+  <mc:AlternateContent xmlns:mc="http://schemas.openxmlformats.org/markup-compatibility/2006" xmlns:p14="http://schemas.microsoft.com/office/powerpoint/2010/main">
+    <mc:Choice Requires="p14">
       <p:transition spd="slow" p14:dur="1200">
         <p:dissolve/>
       </p:transition>
     </mc:Choice>
-    <mc:Fallback>
+    <mc:Fallback xmlns="">
       <p:transition spd="slow">
         <p:dissolve/>
       </p:transition>
@@ -32015,13 +32020,13 @@
   <p:clrMapOvr>
     <a:masterClrMapping/>
   </p:clrMapOvr>
-  <mc:AlternateContent xmlns:mc="http://schemas.openxmlformats.org/markup-compatibility/2006">
-    <mc:Choice xmlns:p14="http://schemas.microsoft.com/office/powerpoint/2010/main" Requires="p14">
+  <mc:AlternateContent xmlns:mc="http://schemas.openxmlformats.org/markup-compatibility/2006" xmlns:p14="http://schemas.microsoft.com/office/powerpoint/2010/main">
+    <mc:Choice Requires="p14">
       <p:transition spd="slow" p14:dur="1200">
         <p:dissolve/>
       </p:transition>
     </mc:Choice>
-    <mc:Fallback>
+    <mc:Fallback xmlns="">
       <p:transition spd="slow">
         <p:dissolve/>
       </p:transition>
@@ -32783,13 +32788,13 @@
   <p:clrMapOvr>
     <a:masterClrMapping/>
   </p:clrMapOvr>
-  <mc:AlternateContent xmlns:mc="http://schemas.openxmlformats.org/markup-compatibility/2006">
-    <mc:Choice xmlns:p14="http://schemas.microsoft.com/office/powerpoint/2010/main" Requires="p14">
+  <mc:AlternateContent xmlns:mc="http://schemas.openxmlformats.org/markup-compatibility/2006" xmlns:p14="http://schemas.microsoft.com/office/powerpoint/2010/main">
+    <mc:Choice Requires="p14">
       <p:transition spd="slow" p14:dur="1200">
         <p:dissolve/>
       </p:transition>
     </mc:Choice>
-    <mc:Fallback>
+    <mc:Fallback xmlns="">
       <p:transition spd="slow">
         <p:dissolve/>
       </p:transition>
@@ -33388,13 +33393,13 @@
     <p:sldLayoutId id="2147483672" r:id="rId23"/>
     <p:sldLayoutId id="2147483673" r:id="rId24"/>
   </p:sldLayoutIdLst>
-  <mc:AlternateContent xmlns:mc="http://schemas.openxmlformats.org/markup-compatibility/2006">
-    <mc:Choice xmlns:p14="http://schemas.microsoft.com/office/powerpoint/2010/main" Requires="p14">
+  <mc:AlternateContent xmlns:mc="http://schemas.openxmlformats.org/markup-compatibility/2006" xmlns:p14="http://schemas.microsoft.com/office/powerpoint/2010/main">
+    <mc:Choice Requires="p14">
       <p:transition spd="slow" p14:dur="1200">
         <p:dissolve/>
       </p:transition>
     </mc:Choice>
-    <mc:Fallback>
+    <mc:Fallback xmlns="">
       <p:transition spd="slow">
         <p:dissolve/>
       </p:transition>
@@ -34688,13 +34693,13 @@
     <p:sldLayoutId id="2147483702" r:id="rId28"/>
     <p:sldLayoutId id="2147483703" r:id="rId29"/>
   </p:sldLayoutIdLst>
-  <mc:AlternateContent xmlns:mc="http://schemas.openxmlformats.org/markup-compatibility/2006">
-    <mc:Choice xmlns:p14="http://schemas.microsoft.com/office/powerpoint/2010/main" Requires="p14">
+  <mc:AlternateContent xmlns:mc="http://schemas.openxmlformats.org/markup-compatibility/2006" xmlns:p14="http://schemas.microsoft.com/office/powerpoint/2010/main">
+    <mc:Choice Requires="p14">
       <p:transition spd="slow" p14:dur="1200">
         <p:dissolve/>
       </p:transition>
     </mc:Choice>
-    <mc:Fallback>
+    <mc:Fallback xmlns="">
       <p:transition spd="slow">
         <p:dissolve/>
       </p:transition>
@@ -35564,7 +35569,7 @@
         <p:spPr>
           <a:xfrm>
             <a:off x="68207" y="2746732"/>
-            <a:ext cx="4559100" cy="377700"/>
+            <a:ext cx="4503793" cy="1168445"/>
           </a:xfrm>
           <a:prstGeom prst="rect">
             <a:avLst/>
@@ -35598,7 +35603,7 @@
               <a:buNone/>
             </a:pPr>
             <a:r>
-              <a:rPr lang="en" sz="1700" i="0" u="none" strike="noStrike" cap="none" dirty="0">
+              <a:rPr lang="en" i="0" u="none" strike="noStrike" cap="none" dirty="0">
                 <a:solidFill>
                   <a:schemeClr val="lt1"/>
                 </a:solidFill>
@@ -35607,7 +35612,7 @@
                 <a:cs typeface="Trebuchet MS"/>
                 <a:sym typeface="Trebuchet MS"/>
               </a:rPr>
-              <a:t>Your team bio : R. Pranesh</a:t>
+              <a:t>Your team bio :    R. Pranesh</a:t>
             </a:r>
           </a:p>
           <a:p>
@@ -35629,7 +35634,7 @@
               <a:buNone/>
             </a:pPr>
             <a:r>
-              <a:rPr lang="en" sz="1700" dirty="0">
+              <a:rPr lang="en" dirty="0">
                 <a:solidFill>
                   <a:schemeClr val="lt1"/>
                 </a:solidFill>
@@ -35660,7 +35665,38 @@
               <a:buNone/>
             </a:pPr>
             <a:r>
-              <a:rPr lang="en" sz="1700" i="0" u="none" strike="noStrike" cap="none">
+              <a:rPr lang="en" dirty="0">
+                <a:solidFill>
+                  <a:schemeClr val="lt1"/>
+                </a:solidFill>
+                <a:latin typeface="Trebuchet MS"/>
+                <a:ea typeface="Trebuchet MS"/>
+                <a:cs typeface="Trebuchet MS"/>
+                <a:sym typeface="Trebuchet MS"/>
+              </a:rPr>
+              <a:t>	          Nitish Kumar Yadav		</a:t>
+            </a:r>
+          </a:p>
+          <a:p>
+            <a:pPr marL="0" marR="0" lvl="0" indent="0" algn="l" rtl="0">
+              <a:lnSpc>
+                <a:spcPct val="150000"/>
+              </a:lnSpc>
+              <a:spcBef>
+                <a:spcPts val="0"/>
+              </a:spcBef>
+              <a:spcAft>
+                <a:spcPts val="0"/>
+              </a:spcAft>
+              <a:buClr>
+                <a:srgbClr val="000000"/>
+              </a:buClr>
+              <a:buSzPts val="1800"/>
+              <a:buFont typeface="Arial"/>
+              <a:buNone/>
+            </a:pPr>
+            <a:r>
+              <a:rPr lang="en" i="0" u="none" strike="noStrike" cap="none" dirty="0">
                 <a:solidFill>
                   <a:schemeClr val="lt1"/>
                 </a:solidFill>
@@ -35672,7 +35708,7 @@
               <a:t>	</a:t>
             </a:r>
             <a:r>
-              <a:rPr lang="en" sz="1700">
+              <a:rPr lang="en" dirty="0">
                 <a:solidFill>
                   <a:schemeClr val="lt1"/>
                 </a:solidFill>
@@ -35683,7 +35719,7 @@
               </a:rPr>
               <a:t>          </a:t>
             </a:r>
-            <a:endParaRPr sz="1700" i="0" u="none" strike="noStrike" cap="none" dirty="0">
+            <a:endParaRPr i="0" u="none" strike="noStrike" cap="none" dirty="0">
               <a:solidFill>
                 <a:schemeClr val="lt1"/>
               </a:solidFill>
@@ -35712,7 +35748,7 @@
               <a:buNone/>
             </a:pPr>
             <a:r>
-              <a:rPr lang="en" sz="1200" i="0" u="none" strike="noStrike" cap="none" dirty="0">
+              <a:rPr lang="en" sz="1050" i="0" u="none" strike="noStrike" cap="none" dirty="0">
                 <a:solidFill>
                   <a:schemeClr val="lt1"/>
                 </a:solidFill>
@@ -35723,7 +35759,7 @@
               </a:rPr>
               <a:t>Date : 19/09/2022</a:t>
             </a:r>
-            <a:endParaRPr sz="1200" i="0" u="none" strike="noStrike" cap="none" dirty="0">
+            <a:endParaRPr sz="1050" i="0" u="none" strike="noStrike" cap="none" dirty="0">
               <a:solidFill>
                 <a:schemeClr val="lt1"/>
               </a:solidFill>
@@ -35821,13 +35857,13 @@
   <p:clrMapOvr>
     <a:masterClrMapping/>
   </p:clrMapOvr>
-  <mc:AlternateContent xmlns:mc="http://schemas.openxmlformats.org/markup-compatibility/2006">
-    <mc:Choice xmlns:p14="http://schemas.microsoft.com/office/powerpoint/2010/main" Requires="p14">
+  <mc:AlternateContent xmlns:mc="http://schemas.openxmlformats.org/markup-compatibility/2006" xmlns:p14="http://schemas.microsoft.com/office/powerpoint/2010/main">
+    <mc:Choice Requires="p14">
       <p:transition spd="slow" p14:dur="1200">
         <p:dissolve/>
       </p:transition>
     </mc:Choice>
-    <mc:Fallback>
+    <mc:Fallback xmlns="">
       <p:transition spd="slow">
         <p:dissolve/>
       </p:transition>
@@ -36296,13 +36332,13 @@
   <p:clrMapOvr>
     <a:masterClrMapping/>
   </p:clrMapOvr>
-  <mc:AlternateContent xmlns:mc="http://schemas.openxmlformats.org/markup-compatibility/2006">
-    <mc:Choice xmlns:p14="http://schemas.microsoft.com/office/powerpoint/2010/main" Requires="p14">
+  <mc:AlternateContent xmlns:mc="http://schemas.openxmlformats.org/markup-compatibility/2006" xmlns:p14="http://schemas.microsoft.com/office/powerpoint/2010/main">
+    <mc:Choice Requires="p14">
       <p:transition spd="slow" p14:dur="1200">
         <p:dissolve/>
       </p:transition>
     </mc:Choice>
-    <mc:Fallback>
+    <mc:Fallback xmlns="">
       <p:transition spd="slow">
         <p:dissolve/>
       </p:transition>
@@ -36748,13 +36784,13 @@
   <p:clrMapOvr>
     <a:masterClrMapping/>
   </p:clrMapOvr>
-  <mc:AlternateContent xmlns:mc="http://schemas.openxmlformats.org/markup-compatibility/2006">
-    <mc:Choice xmlns:p14="http://schemas.microsoft.com/office/powerpoint/2010/main" Requires="p14">
+  <mc:AlternateContent xmlns:mc="http://schemas.openxmlformats.org/markup-compatibility/2006" xmlns:p14="http://schemas.microsoft.com/office/powerpoint/2010/main">
+    <mc:Choice Requires="p14">
       <p:transition spd="slow" p14:dur="1200">
         <p:dissolve/>
       </p:transition>
     </mc:Choice>
-    <mc:Fallback>
+    <mc:Fallback xmlns="">
       <p:transition spd="slow">
         <p:dissolve/>
       </p:transition>
@@ -37411,13 +37447,13 @@
   <p:clrMapOvr>
     <a:masterClrMapping/>
   </p:clrMapOvr>
-  <mc:AlternateContent xmlns:mc="http://schemas.openxmlformats.org/markup-compatibility/2006">
-    <mc:Choice xmlns:p14="http://schemas.microsoft.com/office/powerpoint/2010/main" Requires="p14">
+  <mc:AlternateContent xmlns:mc="http://schemas.openxmlformats.org/markup-compatibility/2006" xmlns:p14="http://schemas.microsoft.com/office/powerpoint/2010/main">
+    <mc:Choice Requires="p14">
       <p:transition spd="slow" p14:dur="1200">
         <p:dissolve/>
       </p:transition>
     </mc:Choice>
-    <mc:Fallback>
+    <mc:Fallback xmlns="">
       <p:transition spd="slow">
         <p:dissolve/>
       </p:transition>
@@ -37833,13 +37869,13 @@
   <p:clrMapOvr>
     <a:masterClrMapping/>
   </p:clrMapOvr>
-  <mc:AlternateContent xmlns:mc="http://schemas.openxmlformats.org/markup-compatibility/2006">
-    <mc:Choice xmlns:p14="http://schemas.microsoft.com/office/powerpoint/2010/main" Requires="p14">
+  <mc:AlternateContent xmlns:mc="http://schemas.openxmlformats.org/markup-compatibility/2006" xmlns:p14="http://schemas.microsoft.com/office/powerpoint/2010/main">
+    <mc:Choice Requires="p14">
       <p:transition spd="slow" p14:dur="1200">
         <p:dissolve/>
       </p:transition>
     </mc:Choice>
-    <mc:Fallback>
+    <mc:Fallback xmlns="">
       <p:transition spd="slow">
         <p:dissolve/>
       </p:transition>
@@ -38226,13 +38262,13 @@
   <p:clrMapOvr>
     <a:masterClrMapping/>
   </p:clrMapOvr>
-  <mc:AlternateContent xmlns:mc="http://schemas.openxmlformats.org/markup-compatibility/2006">
-    <mc:Choice xmlns:p14="http://schemas.microsoft.com/office/powerpoint/2010/main" Requires="p14">
+  <mc:AlternateContent xmlns:mc="http://schemas.openxmlformats.org/markup-compatibility/2006" xmlns:p14="http://schemas.microsoft.com/office/powerpoint/2010/main">
+    <mc:Choice Requires="p14">
       <p:transition spd="slow" p14:dur="1200">
         <p:dissolve/>
       </p:transition>
     </mc:Choice>
-    <mc:Fallback>
+    <mc:Fallback xmlns="">
       <p:transition spd="slow">
         <p:dissolve/>
       </p:transition>
@@ -39007,13 +39043,13 @@
   <p:clrMapOvr>
     <a:masterClrMapping/>
   </p:clrMapOvr>
-  <mc:AlternateContent xmlns:mc="http://schemas.openxmlformats.org/markup-compatibility/2006">
-    <mc:Choice xmlns:p14="http://schemas.microsoft.com/office/powerpoint/2010/main" Requires="p14">
+  <mc:AlternateContent xmlns:mc="http://schemas.openxmlformats.org/markup-compatibility/2006" xmlns:p14="http://schemas.microsoft.com/office/powerpoint/2010/main">
+    <mc:Choice Requires="p14">
       <p:transition spd="slow" p14:dur="1200">
         <p:dissolve/>
       </p:transition>
     </mc:Choice>
-    <mc:Fallback>
+    <mc:Fallback xmlns="">
       <p:transition spd="slow">
         <p:dissolve/>
       </p:transition>
@@ -39300,7 +39336,7 @@
         </p:nvSpPr>
         <p:spPr>
           <a:xfrm>
-            <a:off x="849086" y="3621314"/>
+            <a:off x="849086" y="3403600"/>
             <a:ext cx="7853978" cy="830997"/>
           </a:xfrm>
           <a:prstGeom prst="rect">
@@ -39326,18 +39362,71 @@
           </a:p>
         </p:txBody>
       </p:sp>
+      <p:sp>
+        <p:nvSpPr>
+          <p:cNvPr id="7" name="TextBox 6">
+            <a:extLst>
+              <a:ext uri="{FF2B5EF4-FFF2-40B4-BE49-F238E27FC236}">
+                <a16:creationId xmlns:a16="http://schemas.microsoft.com/office/drawing/2014/main" id="{A4732266-4C88-49F7-D0EC-025ABC7F4501}"/>
+              </a:ext>
+            </a:extLst>
+          </p:cNvPr>
+          <p:cNvSpPr txBox="1"/>
+          <p:nvPr/>
+        </p:nvSpPr>
+        <p:spPr>
+          <a:xfrm>
+            <a:off x="791610" y="4272862"/>
+            <a:ext cx="7885803" cy="276999"/>
+          </a:xfrm>
+          <a:prstGeom prst="rect">
+            <a:avLst/>
+          </a:prstGeom>
+          <a:noFill/>
+        </p:spPr>
+        <p:txBody>
+          <a:bodyPr wrap="square" rtlCol="0">
+            <a:spAutoFit/>
+          </a:bodyPr>
+          <a:lstStyle/>
+          <a:p>
+            <a:r>
+              <a:rPr lang="en-GB" sz="1200" b="1" dirty="0">
+                <a:solidFill>
+                  <a:schemeClr val="bg2">
+                    <a:lumMod val="90000"/>
+                    <a:lumOff val="10000"/>
+                  </a:schemeClr>
+                </a:solidFill>
+                <a:latin typeface="Bradley Hand ITC" panose="03070402050302030203" pitchFamily="66" charset="0"/>
+                <a:hlinkClick r:id="rId4"/>
+              </a:rPr>
+              <a:t>https://github.com/Mr-nitish/My-Voice-Assistant-YADAV-/commit/0dd83f0e1f1a7d7ad60a5c9961e1ac8b238fa243</a:t>
+            </a:r>
+            <a:endParaRPr lang="en-IN" sz="1200" b="1" dirty="0">
+              <a:solidFill>
+                <a:schemeClr val="bg2">
+                  <a:lumMod val="90000"/>
+                  <a:lumOff val="10000"/>
+                </a:schemeClr>
+              </a:solidFill>
+              <a:latin typeface="Bradley Hand ITC" panose="03070402050302030203" pitchFamily="66" charset="0"/>
+            </a:endParaRPr>
+          </a:p>
+        </p:txBody>
+      </p:sp>
     </p:spTree>
   </p:cSld>
   <p:clrMapOvr>
     <a:masterClrMapping/>
   </p:clrMapOvr>
-  <mc:AlternateContent xmlns:mc="http://schemas.openxmlformats.org/markup-compatibility/2006">
-    <mc:Choice xmlns:p14="http://schemas.microsoft.com/office/powerpoint/2010/main" Requires="p14">
+  <mc:AlternateContent xmlns:mc="http://schemas.openxmlformats.org/markup-compatibility/2006" xmlns:p14="http://schemas.microsoft.com/office/powerpoint/2010/main">
+    <mc:Choice Requires="p14">
       <p:transition spd="slow" p14:dur="1200">
         <p:dissolve/>
       </p:transition>
     </mc:Choice>
-    <mc:Fallback>
+    <mc:Fallback xmlns="">
       <p:transition spd="slow">
         <p:dissolve/>
       </p:transition>
@@ -39365,6 +39454,72 @@
       </p:grpSpPr>
       <p:sp>
         <p:nvSpPr>
+          <p:cNvPr id="3" name="Rectangle: Rounded Corners 2">
+            <a:extLst>
+              <a:ext uri="{FF2B5EF4-FFF2-40B4-BE49-F238E27FC236}">
+                <a16:creationId xmlns:a16="http://schemas.microsoft.com/office/drawing/2014/main" id="{BD355FE6-3D19-B7B2-B4F8-B2D27BBE26B4}"/>
+              </a:ext>
+            </a:extLst>
+          </p:cNvPr>
+          <p:cNvSpPr/>
+          <p:nvPr/>
+        </p:nvSpPr>
+        <p:spPr>
+          <a:xfrm>
+            <a:off x="265498" y="2671738"/>
+            <a:ext cx="3913696" cy="1583298"/>
+          </a:xfrm>
+          <a:prstGeom prst="roundRect">
+            <a:avLst/>
+          </a:prstGeom>
+          <a:gradFill>
+            <a:gsLst>
+              <a:gs pos="0">
+                <a:srgbClr val="2D1846">
+                  <a:lumMod val="23000"/>
+                  <a:lumOff val="77000"/>
+                </a:srgbClr>
+              </a:gs>
+              <a:gs pos="100000">
+                <a:srgbClr val="2D1846">
+                  <a:lumMod val="49000"/>
+                  <a:lumOff val="51000"/>
+                </a:srgbClr>
+              </a:gs>
+            </a:gsLst>
+            <a:lin ang="0" scaled="1"/>
+          </a:gradFill>
+          <a:ln>
+            <a:noFill/>
+          </a:ln>
+        </p:spPr>
+        <p:style>
+          <a:lnRef idx="2">
+            <a:schemeClr val="accent1">
+              <a:shade val="50000"/>
+            </a:schemeClr>
+          </a:lnRef>
+          <a:fillRef idx="1">
+            <a:schemeClr val="accent1"/>
+          </a:fillRef>
+          <a:effectRef idx="0">
+            <a:schemeClr val="accent1"/>
+          </a:effectRef>
+          <a:fontRef idx="minor">
+            <a:schemeClr val="lt1"/>
+          </a:fontRef>
+        </p:style>
+        <p:txBody>
+          <a:bodyPr rtlCol="0" anchor="ctr"/>
+          <a:lstStyle/>
+          <a:p>
+            <a:pPr algn="ctr"/>
+            <a:endParaRPr lang="en-IN" dirty="0"/>
+          </a:p>
+        </p:txBody>
+      </p:sp>
+      <p:sp>
+        <p:nvSpPr>
           <p:cNvPr id="389" name="Google Shape;389;p9"/>
           <p:cNvSpPr txBox="1">
             <a:spLocks noGrp="1"/>
@@ -39375,7 +39530,7 @@
         </p:nvSpPr>
         <p:spPr>
           <a:xfrm>
-            <a:off x="338275" y="1916925"/>
+            <a:off x="402669" y="1414649"/>
             <a:ext cx="8649300" cy="827400"/>
           </a:xfrm>
           <a:prstGeom prst="rect">
@@ -39406,10 +39561,10 @@
               <a:buNone/>
             </a:pPr>
             <a:r>
-              <a:rPr lang="en" sz="3600"/>
+              <a:rPr lang="en" sz="3600" dirty="0"/>
               <a:t>Thank You</a:t>
             </a:r>
-            <a:endParaRPr sz="3600"/>
+            <a:endParaRPr sz="3600" dirty="0"/>
           </a:p>
         </p:txBody>
       </p:sp>
@@ -39425,7 +39580,7 @@
         </p:nvSpPr>
         <p:spPr>
           <a:xfrm>
-            <a:off x="339712" y="2750625"/>
+            <a:off x="313954" y="2712602"/>
             <a:ext cx="4559100" cy="377700"/>
           </a:xfrm>
           <a:prstGeom prst="rect">
@@ -39456,10 +39611,160 @@
               <a:buNone/>
             </a:pPr>
             <a:r>
-              <a:rPr lang="en" sz="1500" dirty="0"/>
-              <a:t>Team member names</a:t>
+              <a:rPr lang="en" sz="1500" dirty="0">
+                <a:solidFill>
+                  <a:schemeClr val="tx1">
+                    <a:lumMod val="90000"/>
+                    <a:lumOff val="10000"/>
+                  </a:schemeClr>
+                </a:solidFill>
+                <a:latin typeface="Franklin Gothic Heavy" panose="020B0903020102020204" pitchFamily="34" charset="0"/>
+              </a:rPr>
+              <a:t>Team member names :</a:t>
             </a:r>
-            <a:endParaRPr sz="1500" dirty="0"/>
+            <a:endParaRPr sz="1500" dirty="0">
+              <a:solidFill>
+                <a:schemeClr val="tx1">
+                  <a:lumMod val="90000"/>
+                  <a:lumOff val="10000"/>
+                </a:schemeClr>
+              </a:solidFill>
+              <a:latin typeface="Franklin Gothic Heavy" panose="020B0903020102020204" pitchFamily="34" charset="0"/>
+            </a:endParaRPr>
+          </a:p>
+        </p:txBody>
+      </p:sp>
+      <p:sp>
+        <p:nvSpPr>
+          <p:cNvPr id="2" name="Google Shape;340;p1">
+            <a:extLst>
+              <a:ext uri="{FF2B5EF4-FFF2-40B4-BE49-F238E27FC236}">
+                <a16:creationId xmlns:a16="http://schemas.microsoft.com/office/drawing/2014/main" id="{20B4164F-184A-2D39-A47D-D0905355BB90}"/>
+              </a:ext>
+            </a:extLst>
+          </p:cNvPr>
+          <p:cNvSpPr txBox="1"/>
+          <p:nvPr/>
+        </p:nvSpPr>
+        <p:spPr>
+          <a:xfrm>
+            <a:off x="2394670" y="2753439"/>
+            <a:ext cx="2131454" cy="919230"/>
+          </a:xfrm>
+          <a:prstGeom prst="rect">
+            <a:avLst/>
+          </a:prstGeom>
+          <a:noFill/>
+          <a:ln>
+            <a:noFill/>
+          </a:ln>
+        </p:spPr>
+        <p:txBody>
+          <a:bodyPr spcFirstLastPara="1" wrap="square" lIns="91425" tIns="91425" rIns="91425" bIns="91425" anchor="t" anchorCtr="0">
+            <a:noAutofit/>
+          </a:bodyPr>
+          <a:lstStyle/>
+          <a:p>
+            <a:pPr marL="0" marR="0" lvl="0" indent="0" algn="l" rtl="0">
+              <a:lnSpc>
+                <a:spcPct val="150000"/>
+              </a:lnSpc>
+              <a:spcBef>
+                <a:spcPts val="0"/>
+              </a:spcBef>
+              <a:spcAft>
+                <a:spcPts val="0"/>
+              </a:spcAft>
+              <a:buClr>
+                <a:srgbClr val="000000"/>
+              </a:buClr>
+              <a:buSzPts val="1800"/>
+              <a:buFont typeface="Arial"/>
+              <a:buNone/>
+            </a:pPr>
+            <a:r>
+              <a:rPr lang="en" i="0" u="none" strike="noStrike" cap="none" dirty="0">
+                <a:solidFill>
+                  <a:schemeClr val="tx1">
+                    <a:lumMod val="90000"/>
+                    <a:lumOff val="10000"/>
+                  </a:schemeClr>
+                </a:solidFill>
+                <a:latin typeface="Franklin Gothic Heavy" panose="020B0903020102020204" pitchFamily="34" charset="0"/>
+                <a:ea typeface="Trebuchet MS"/>
+                <a:cs typeface="Trebuchet MS"/>
+                <a:sym typeface="Trebuchet MS"/>
+              </a:rPr>
+              <a:t>R. Pranesh</a:t>
+            </a:r>
+          </a:p>
+          <a:p>
+            <a:pPr marL="0" marR="0" lvl="0" indent="0" algn="l" rtl="0">
+              <a:lnSpc>
+                <a:spcPct val="150000"/>
+              </a:lnSpc>
+              <a:spcBef>
+                <a:spcPts val="0"/>
+              </a:spcBef>
+              <a:spcAft>
+                <a:spcPts val="0"/>
+              </a:spcAft>
+              <a:buClr>
+                <a:srgbClr val="000000"/>
+              </a:buClr>
+              <a:buSzPts val="1800"/>
+              <a:buFont typeface="Arial"/>
+              <a:buNone/>
+            </a:pPr>
+            <a:r>
+              <a:rPr lang="en" dirty="0">
+                <a:solidFill>
+                  <a:schemeClr val="tx1">
+                    <a:lumMod val="90000"/>
+                    <a:lumOff val="10000"/>
+                  </a:schemeClr>
+                </a:solidFill>
+                <a:latin typeface="Franklin Gothic Heavy" panose="020B0903020102020204" pitchFamily="34" charset="0"/>
+                <a:ea typeface="Trebuchet MS"/>
+                <a:cs typeface="Trebuchet MS"/>
+                <a:sym typeface="Trebuchet MS"/>
+              </a:rPr>
+              <a:t>R. Jeyasundar</a:t>
+            </a:r>
+          </a:p>
+          <a:p>
+            <a:pPr marL="0" marR="0" lvl="0" indent="0" algn="l" rtl="0">
+              <a:lnSpc>
+                <a:spcPct val="150000"/>
+              </a:lnSpc>
+              <a:spcBef>
+                <a:spcPts val="0"/>
+              </a:spcBef>
+              <a:spcAft>
+                <a:spcPts val="0"/>
+              </a:spcAft>
+              <a:buClr>
+                <a:srgbClr val="000000"/>
+              </a:buClr>
+              <a:buSzPts val="1800"/>
+              <a:buFont typeface="Arial"/>
+              <a:buNone/>
+            </a:pPr>
+            <a:r>
+              <a:rPr lang="en" dirty="0">
+                <a:solidFill>
+                  <a:schemeClr val="tx1">
+                    <a:lumMod val="90000"/>
+                    <a:lumOff val="10000"/>
+                  </a:schemeClr>
+                </a:solidFill>
+                <a:latin typeface="Franklin Gothic Heavy" panose="020B0903020102020204" pitchFamily="34" charset="0"/>
+                <a:ea typeface="Trebuchet MS"/>
+                <a:cs typeface="Trebuchet MS"/>
+                <a:sym typeface="Trebuchet MS"/>
+              </a:rPr>
+              <a:t>Nitish Kumar Yadav</a:t>
+            </a:r>
           </a:p>
         </p:txBody>
       </p:sp>
@@ -39468,13 +39773,13 @@
   <p:clrMapOvr>
     <a:masterClrMapping/>
   </p:clrMapOvr>
-  <mc:AlternateContent xmlns:mc="http://schemas.openxmlformats.org/markup-compatibility/2006">
-    <mc:Choice xmlns:p14="http://schemas.microsoft.com/office/powerpoint/2010/main" Requires="p14">
+  <mc:AlternateContent xmlns:mc="http://schemas.openxmlformats.org/markup-compatibility/2006" xmlns:p14="http://schemas.microsoft.com/office/powerpoint/2010/main">
+    <mc:Choice Requires="p14">
       <p:transition spd="slow" p14:dur="1200">
         <p:dissolve/>
       </p:transition>
     </mc:Choice>
-    <mc:Fallback>
+    <mc:Fallback xmlns="">
       <p:transition spd="slow">
         <p:dissolve/>
       </p:transition>
